--- a/07.Efficiency, Environmental Concerns, and Mass Conservation.pptx
+++ b/07.Efficiency, Environmental Concerns, and Mass Conservation.pptx
@@ -6895,8 +6895,8 @@
           </a:ln>
         </p:spPr>
       </p:pic>
-      <mc:AlternateContent xmlns:mc="http://schemas.openxmlformats.org/markup-compatibility/2006">
-        <mc:Choice xmlns:a14="http://schemas.microsoft.com/office/drawing/2010/main" Requires="a14">
+      <mc:AlternateContent xmlns:mc="http://schemas.openxmlformats.org/markup-compatibility/2006" xmlns:a14="http://schemas.microsoft.com/office/drawing/2010/main">
+        <mc:Choice Requires="a14">
           <p:sp>
             <p:nvSpPr>
               <p:cNvPr id="7" name="TextBox 6">
@@ -7021,7 +7021,7 @@
             </p:txBody>
           </p:sp>
         </mc:Choice>
-        <mc:Fallback>
+        <mc:Fallback xmlns="">
           <p:sp>
             <p:nvSpPr>
               <p:cNvPr id="7" name="TextBox 6">
